--- a/Slides/10_verilog.pptx
+++ b/Slides/10_verilog.pptx
@@ -142,6 +142,22 @@
       </a:defRPr>
     </a:lvl9pPr>
   </p:defaultTextStyle>
+  <p:extLst>
+    <p:ext uri="{EFAFB233-063F-42B5-8137-9DF3F51BA10A}">
+      <p15:sldGuideLst xmlns:p15="http://schemas.microsoft.com/office/powerpoint/2012/main">
+        <p15:guide id="1" orient="horz" pos="981">
+          <p15:clr>
+            <a:srgbClr val="A4A3A4"/>
+          </p15:clr>
+        </p15:guide>
+        <p15:guide id="2" pos="2880">
+          <p15:clr>
+            <a:srgbClr val="A4A3A4"/>
+          </p15:clr>
+        </p15:guide>
+      </p15:sldGuideLst>
+    </p:ext>
+  </p:extLst>
 </p:presentation>
 </file>
 
@@ -270,7 +286,7 @@
         <p:nvSpPr>
           <p:cNvPr id="9220" name="Rectangle 4"/>
           <p:cNvSpPr>
-            <a:spLocks noRot="1" noChangeArrowheads="1" noTextEdit="1"/>
+            <a:spLocks noGrp="1" noRot="1" noChangeAspect="1" noChangeArrowheads="1" noTextEdit="1"/>
           </p:cNvSpPr>
           <p:nvPr>
             <p:ph type="sldImg" idx="2"/>
@@ -785,7 +801,7 @@
         <p:nvSpPr>
           <p:cNvPr id="10243" name="Rectangle 2"/>
           <p:cNvSpPr>
-            <a:spLocks noRot="1" noChangeArrowheads="1" noTextEdit="1"/>
+            <a:spLocks noGrp="1" noRot="1" noChangeAspect="1" noChangeArrowheads="1" noTextEdit="1"/>
           </p:cNvSpPr>
           <p:nvPr>
             <p:ph type="sldImg"/>
@@ -1021,7 +1037,7 @@
         <p:nvSpPr>
           <p:cNvPr id="11267" name="Rectangle 2"/>
           <p:cNvSpPr>
-            <a:spLocks noRot="1" noChangeArrowheads="1" noTextEdit="1"/>
+            <a:spLocks noGrp="1" noRot="1" noChangeAspect="1" noChangeArrowheads="1" noTextEdit="1"/>
           </p:cNvSpPr>
           <p:nvPr>
             <p:ph type="sldImg"/>
@@ -1257,7 +1273,7 @@
         <p:nvSpPr>
           <p:cNvPr id="12291" name="Rectangle 2"/>
           <p:cNvSpPr>
-            <a:spLocks noRot="1" noChangeArrowheads="1" noTextEdit="1"/>
+            <a:spLocks noGrp="1" noRot="1" noChangeAspect="1" noChangeArrowheads="1" noTextEdit="1"/>
           </p:cNvSpPr>
           <p:nvPr>
             <p:ph type="sldImg"/>
@@ -1493,7 +1509,7 @@
         <p:nvSpPr>
           <p:cNvPr id="13315" name="Rectangle 2"/>
           <p:cNvSpPr>
-            <a:spLocks noRot="1" noChangeArrowheads="1" noTextEdit="1"/>
+            <a:spLocks noGrp="1" noRot="1" noChangeAspect="1" noChangeArrowheads="1" noTextEdit="1"/>
           </p:cNvSpPr>
           <p:nvPr>
             <p:ph type="sldImg"/>
@@ -1729,7 +1745,7 @@
         <p:nvSpPr>
           <p:cNvPr id="14339" name="Rectangle 2"/>
           <p:cNvSpPr>
-            <a:spLocks noRot="1" noChangeArrowheads="1" noTextEdit="1"/>
+            <a:spLocks noGrp="1" noRot="1" noChangeAspect="1" noChangeArrowheads="1" noTextEdit="1"/>
           </p:cNvSpPr>
           <p:nvPr>
             <p:ph type="sldImg"/>
@@ -1965,7 +1981,7 @@
         <p:nvSpPr>
           <p:cNvPr id="15363" name="Rectangle 2"/>
           <p:cNvSpPr>
-            <a:spLocks noRot="1" noChangeArrowheads="1" noTextEdit="1"/>
+            <a:spLocks noGrp="1" noRot="1" noChangeAspect="1" noChangeArrowheads="1" noTextEdit="1"/>
           </p:cNvSpPr>
           <p:nvPr>
             <p:ph type="sldImg"/>
@@ -5677,6 +5693,14 @@
   <p:clrMapOvr>
     <a:masterClrMapping/>
   </p:clrMapOvr>
+  <mc:AlternateContent xmlns:mc="http://schemas.openxmlformats.org/markup-compatibility/2006">
+    <mc:Choice xmlns:p14="http://schemas.microsoft.com/office/powerpoint/2010/main" Requires="p14">
+      <p:transition spd="slow" p14:dur="2000"/>
+    </mc:Choice>
+    <mc:Fallback>
+      <p:transition spd="slow"/>
+    </mc:Fallback>
+  </mc:AlternateContent>
   <p:timing>
     <p:tnLst>
       <p:par>
@@ -5879,11 +5903,41 @@
             <a:tbl>
               <a:tblPr/>
               <a:tblGrid>
-                <a:gridCol w="715962"/>
-                <a:gridCol w="431800"/>
-                <a:gridCol w="360363"/>
-                <a:gridCol w="431800"/>
-                <a:gridCol w="431800"/>
+                <a:gridCol w="715962">
+                  <a:extLst>
+                    <a:ext uri="{9D8B030D-6E8A-4147-A177-3AD203B41FA5}">
+                      <a16:colId xmlns:a16="http://schemas.microsoft.com/office/drawing/2014/main" val="20000"/>
+                    </a:ext>
+                  </a:extLst>
+                </a:gridCol>
+                <a:gridCol w="431800">
+                  <a:extLst>
+                    <a:ext uri="{9D8B030D-6E8A-4147-A177-3AD203B41FA5}">
+                      <a16:colId xmlns:a16="http://schemas.microsoft.com/office/drawing/2014/main" val="20001"/>
+                    </a:ext>
+                  </a:extLst>
+                </a:gridCol>
+                <a:gridCol w="360363">
+                  <a:extLst>
+                    <a:ext uri="{9D8B030D-6E8A-4147-A177-3AD203B41FA5}">
+                      <a16:colId xmlns:a16="http://schemas.microsoft.com/office/drawing/2014/main" val="20002"/>
+                    </a:ext>
+                  </a:extLst>
+                </a:gridCol>
+                <a:gridCol w="431800">
+                  <a:extLst>
+                    <a:ext uri="{9D8B030D-6E8A-4147-A177-3AD203B41FA5}">
+                      <a16:colId xmlns:a16="http://schemas.microsoft.com/office/drawing/2014/main" val="20003"/>
+                    </a:ext>
+                  </a:extLst>
+                </a:gridCol>
+                <a:gridCol w="431800">
+                  <a:extLst>
+                    <a:ext uri="{9D8B030D-6E8A-4147-A177-3AD203B41FA5}">
+                      <a16:colId xmlns:a16="http://schemas.microsoft.com/office/drawing/2014/main" val="20004"/>
+                    </a:ext>
+                  </a:extLst>
+                </a:gridCol>
               </a:tblGrid>
               <a:tr h="365714">
                 <a:tc>
@@ -6301,6 +6355,11 @@
                     <a:noFill/>
                   </a:tcPr>
                 </a:tc>
+                <a:extLst>
+                  <a:ext uri="{0D108BD9-81ED-4DB2-BD59-A6C34878D82A}">
+                    <a16:rowId xmlns:a16="http://schemas.microsoft.com/office/drawing/2014/main" val="10000"/>
+                  </a:ext>
+                </a:extLst>
               </a:tr>
               <a:tr h="403078">
                 <a:tc>
@@ -6718,6 +6777,11 @@
                     <a:noFill/>
                   </a:tcPr>
                 </a:tc>
+                <a:extLst>
+                  <a:ext uri="{0D108BD9-81ED-4DB2-BD59-A6C34878D82A}">
+                    <a16:rowId xmlns:a16="http://schemas.microsoft.com/office/drawing/2014/main" val="10001"/>
+                  </a:ext>
+                </a:extLst>
               </a:tr>
               <a:tr h="403078">
                 <a:tc>
@@ -7135,6 +7199,11 @@
                     <a:noFill/>
                   </a:tcPr>
                 </a:tc>
+                <a:extLst>
+                  <a:ext uri="{0D108BD9-81ED-4DB2-BD59-A6C34878D82A}">
+                    <a16:rowId xmlns:a16="http://schemas.microsoft.com/office/drawing/2014/main" val="10002"/>
+                  </a:ext>
+                </a:extLst>
               </a:tr>
               <a:tr h="403078">
                 <a:tc>
@@ -7552,6 +7621,11 @@
                     <a:noFill/>
                   </a:tcPr>
                 </a:tc>
+                <a:extLst>
+                  <a:ext uri="{0D108BD9-81ED-4DB2-BD59-A6C34878D82A}">
+                    <a16:rowId xmlns:a16="http://schemas.microsoft.com/office/drawing/2014/main" val="10003"/>
+                  </a:ext>
+                </a:extLst>
               </a:tr>
               <a:tr h="403078">
                 <a:tc>
@@ -7969,6 +8043,11 @@
                     <a:noFill/>
                   </a:tcPr>
                 </a:tc>
+                <a:extLst>
+                  <a:ext uri="{0D108BD9-81ED-4DB2-BD59-A6C34878D82A}">
+                    <a16:rowId xmlns:a16="http://schemas.microsoft.com/office/drawing/2014/main" val="10004"/>
+                  </a:ext>
+                </a:extLst>
               </a:tr>
             </a:tbl>
           </a:graphicData>
@@ -7991,11 +8070,41 @@
             <a:tbl>
               <a:tblPr/>
               <a:tblGrid>
-                <a:gridCol w="715962"/>
-                <a:gridCol w="431800"/>
-                <a:gridCol w="360363"/>
-                <a:gridCol w="431800"/>
-                <a:gridCol w="431800"/>
+                <a:gridCol w="715962">
+                  <a:extLst>
+                    <a:ext uri="{9D8B030D-6E8A-4147-A177-3AD203B41FA5}">
+                      <a16:colId xmlns:a16="http://schemas.microsoft.com/office/drawing/2014/main" val="20000"/>
+                    </a:ext>
+                  </a:extLst>
+                </a:gridCol>
+                <a:gridCol w="431800">
+                  <a:extLst>
+                    <a:ext uri="{9D8B030D-6E8A-4147-A177-3AD203B41FA5}">
+                      <a16:colId xmlns:a16="http://schemas.microsoft.com/office/drawing/2014/main" val="20001"/>
+                    </a:ext>
+                  </a:extLst>
+                </a:gridCol>
+                <a:gridCol w="360363">
+                  <a:extLst>
+                    <a:ext uri="{9D8B030D-6E8A-4147-A177-3AD203B41FA5}">
+                      <a16:colId xmlns:a16="http://schemas.microsoft.com/office/drawing/2014/main" val="20002"/>
+                    </a:ext>
+                  </a:extLst>
+                </a:gridCol>
+                <a:gridCol w="431800">
+                  <a:extLst>
+                    <a:ext uri="{9D8B030D-6E8A-4147-A177-3AD203B41FA5}">
+                      <a16:colId xmlns:a16="http://schemas.microsoft.com/office/drawing/2014/main" val="20003"/>
+                    </a:ext>
+                  </a:extLst>
+                </a:gridCol>
+                <a:gridCol w="431800">
+                  <a:extLst>
+                    <a:ext uri="{9D8B030D-6E8A-4147-A177-3AD203B41FA5}">
+                      <a16:colId xmlns:a16="http://schemas.microsoft.com/office/drawing/2014/main" val="20004"/>
+                    </a:ext>
+                  </a:extLst>
+                </a:gridCol>
               </a:tblGrid>
               <a:tr h="365714">
                 <a:tc>
@@ -8413,6 +8522,11 @@
                     <a:noFill/>
                   </a:tcPr>
                 </a:tc>
+                <a:extLst>
+                  <a:ext uri="{0D108BD9-81ED-4DB2-BD59-A6C34878D82A}">
+                    <a16:rowId xmlns:a16="http://schemas.microsoft.com/office/drawing/2014/main" val="10000"/>
+                  </a:ext>
+                </a:extLst>
               </a:tr>
               <a:tr h="403078">
                 <a:tc>
@@ -8830,6 +8944,11 @@
                     <a:noFill/>
                   </a:tcPr>
                 </a:tc>
+                <a:extLst>
+                  <a:ext uri="{0D108BD9-81ED-4DB2-BD59-A6C34878D82A}">
+                    <a16:rowId xmlns:a16="http://schemas.microsoft.com/office/drawing/2014/main" val="10001"/>
+                  </a:ext>
+                </a:extLst>
               </a:tr>
               <a:tr h="403078">
                 <a:tc>
@@ -9247,6 +9366,11 @@
                     <a:noFill/>
                   </a:tcPr>
                 </a:tc>
+                <a:extLst>
+                  <a:ext uri="{0D108BD9-81ED-4DB2-BD59-A6C34878D82A}">
+                    <a16:rowId xmlns:a16="http://schemas.microsoft.com/office/drawing/2014/main" val="10002"/>
+                  </a:ext>
+                </a:extLst>
               </a:tr>
               <a:tr h="403078">
                 <a:tc>
@@ -9664,6 +9788,11 @@
                     <a:noFill/>
                   </a:tcPr>
                 </a:tc>
+                <a:extLst>
+                  <a:ext uri="{0D108BD9-81ED-4DB2-BD59-A6C34878D82A}">
+                    <a16:rowId xmlns:a16="http://schemas.microsoft.com/office/drawing/2014/main" val="10003"/>
+                  </a:ext>
+                </a:extLst>
               </a:tr>
               <a:tr h="403078">
                 <a:tc>
@@ -10081,6 +10210,11 @@
                     <a:noFill/>
                   </a:tcPr>
                 </a:tc>
+                <a:extLst>
+                  <a:ext uri="{0D108BD9-81ED-4DB2-BD59-A6C34878D82A}">
+                    <a16:rowId xmlns:a16="http://schemas.microsoft.com/office/drawing/2014/main" val="10004"/>
+                  </a:ext>
+                </a:extLst>
               </a:tr>
             </a:tbl>
           </a:graphicData>
@@ -10103,8 +10237,20 @@
             <a:tbl>
               <a:tblPr/>
               <a:tblGrid>
-                <a:gridCol w="1033462"/>
-                <a:gridCol w="623888"/>
+                <a:gridCol w="1033462">
+                  <a:extLst>
+                    <a:ext uri="{9D8B030D-6E8A-4147-A177-3AD203B41FA5}">
+                      <a16:colId xmlns:a16="http://schemas.microsoft.com/office/drawing/2014/main" val="20000"/>
+                    </a:ext>
+                  </a:extLst>
+                </a:gridCol>
+                <a:gridCol w="623888">
+                  <a:extLst>
+                    <a:ext uri="{9D8B030D-6E8A-4147-A177-3AD203B41FA5}">
+                      <a16:colId xmlns:a16="http://schemas.microsoft.com/office/drawing/2014/main" val="20001"/>
+                    </a:ext>
+                  </a:extLst>
+                </a:gridCol>
               </a:tblGrid>
               <a:tr h="365714">
                 <a:tc>
@@ -10273,6 +10419,11 @@
                     <a:noFill/>
                   </a:tcPr>
                 </a:tc>
+                <a:extLst>
+                  <a:ext uri="{0D108BD9-81ED-4DB2-BD59-A6C34878D82A}">
+                    <a16:rowId xmlns:a16="http://schemas.microsoft.com/office/drawing/2014/main" val="10000"/>
+                  </a:ext>
+                </a:extLst>
               </a:tr>
               <a:tr h="403078">
                 <a:tc>
@@ -10441,6 +10592,11 @@
                     <a:noFill/>
                   </a:tcPr>
                 </a:tc>
+                <a:extLst>
+                  <a:ext uri="{0D108BD9-81ED-4DB2-BD59-A6C34878D82A}">
+                    <a16:rowId xmlns:a16="http://schemas.microsoft.com/office/drawing/2014/main" val="10001"/>
+                  </a:ext>
+                </a:extLst>
               </a:tr>
               <a:tr h="403078">
                 <a:tc>
@@ -10609,6 +10765,11 @@
                     <a:noFill/>
                   </a:tcPr>
                 </a:tc>
+                <a:extLst>
+                  <a:ext uri="{0D108BD9-81ED-4DB2-BD59-A6C34878D82A}">
+                    <a16:rowId xmlns:a16="http://schemas.microsoft.com/office/drawing/2014/main" val="10002"/>
+                  </a:ext>
+                </a:extLst>
               </a:tr>
               <a:tr h="403078">
                 <a:tc>
@@ -10777,6 +10938,11 @@
                     <a:noFill/>
                   </a:tcPr>
                 </a:tc>
+                <a:extLst>
+                  <a:ext uri="{0D108BD9-81ED-4DB2-BD59-A6C34878D82A}">
+                    <a16:rowId xmlns:a16="http://schemas.microsoft.com/office/drawing/2014/main" val="10003"/>
+                  </a:ext>
+                </a:extLst>
               </a:tr>
               <a:tr h="403078">
                 <a:tc>
@@ -10945,6 +11111,11 @@
                     <a:noFill/>
                   </a:tcPr>
                 </a:tc>
+                <a:extLst>
+                  <a:ext uri="{0D108BD9-81ED-4DB2-BD59-A6C34878D82A}">
+                    <a16:rowId xmlns:a16="http://schemas.microsoft.com/office/drawing/2014/main" val="10004"/>
+                  </a:ext>
+                </a:extLst>
               </a:tr>
             </a:tbl>
           </a:graphicData>
@@ -10955,6 +11126,14 @@
   <p:clrMapOvr>
     <a:masterClrMapping/>
   </p:clrMapOvr>
+  <mc:AlternateContent xmlns:mc="http://schemas.openxmlformats.org/markup-compatibility/2006">
+    <mc:Choice xmlns:p14="http://schemas.microsoft.com/office/powerpoint/2010/main" Requires="p14">
+      <p:transition spd="slow" p14:dur="2000"/>
+    </mc:Choice>
+    <mc:Fallback>
+      <p:transition spd="slow"/>
+    </mc:Fallback>
+  </mc:AlternateContent>
   <p:timing>
     <p:tnLst>
       <p:par>
@@ -11303,6 +11482,14 @@
   <p:clrMapOvr>
     <a:masterClrMapping/>
   </p:clrMapOvr>
+  <mc:AlternateContent xmlns:mc="http://schemas.openxmlformats.org/markup-compatibility/2006">
+    <mc:Choice xmlns:p14="http://schemas.microsoft.com/office/powerpoint/2010/main" Requires="p14">
+      <p:transition spd="slow" p14:dur="2000"/>
+    </mc:Choice>
+    <mc:Fallback>
+      <p:transition spd="slow"/>
+    </mc:Fallback>
+  </mc:AlternateContent>
   <p:timing>
     <p:tnLst>
       <p:par>
@@ -11956,6 +12143,14 @@
   <p:clrMapOvr>
     <a:masterClrMapping/>
   </p:clrMapOvr>
+  <mc:AlternateContent xmlns:mc="http://schemas.openxmlformats.org/markup-compatibility/2006">
+    <mc:Choice xmlns:p14="http://schemas.microsoft.com/office/powerpoint/2010/main" Requires="p14">
+      <p:transition spd="slow" p14:dur="2000"/>
+    </mc:Choice>
+    <mc:Fallback>
+      <p:transition spd="slow"/>
+    </mc:Fallback>
+  </mc:AlternateContent>
   <p:timing>
     <p:tnLst>
       <p:par>
@@ -12518,6 +12713,14 @@
   <p:clrMapOvr>
     <a:masterClrMapping/>
   </p:clrMapOvr>
+  <mc:AlternateContent xmlns:mc="http://schemas.openxmlformats.org/markup-compatibility/2006">
+    <mc:Choice xmlns:p14="http://schemas.microsoft.com/office/powerpoint/2010/main" Requires="p14">
+      <p:transition spd="slow" p14:dur="2000"/>
+    </mc:Choice>
+    <mc:Fallback>
+      <p:transition spd="slow"/>
+    </mc:Fallback>
+  </mc:AlternateContent>
   <p:timing>
     <p:tnLst>
       <p:par>
@@ -13999,6 +14202,14 @@
   <p:clrMapOvr>
     <a:masterClrMapping/>
   </p:clrMapOvr>
+  <mc:AlternateContent xmlns:mc="http://schemas.openxmlformats.org/markup-compatibility/2006">
+    <mc:Choice xmlns:p14="http://schemas.microsoft.com/office/powerpoint/2010/main" Requires="p14">
+      <p:transition spd="slow" p14:dur="2000"/>
+    </mc:Choice>
+    <mc:Fallback>
+      <p:transition spd="slow"/>
+    </mc:Fallback>
+  </mc:AlternateContent>
   <p:timing>
     <p:tnLst>
       <p:par>
